--- a/ppt 16-9/0490.差我.pptx
+++ b/ppt 16-9/0490.差我.pptx
@@ -5,7 +5,7 @@
     <p:sldMasterId id="2147483648" r:id="rId1"/>
   </p:sldMasterIdLst>
   <p:sldIdLst>
-    <p:sldId id="3002" r:id="rId2"/>
+    <p:sldId id="3003" r:id="rId2"/>
   </p:sldIdLst>
   <p:sldSz cx="12192000" cy="6858000"/>
   <p:notesSz cx="6858000" cy="9144000"/>
@@ -129,7 +129,7 @@
           <p:cNvPr id="2" name="标题 1">
             <a:extLst>
               <a:ext uri="{FF2B5EF4-FFF2-40B4-BE49-F238E27FC236}">
-                <a16:creationId xmlns:a16="http://schemas.microsoft.com/office/drawing/2014/main" id="{D10F5818-7BA4-B4A0-11EF-C758B20B7D19}"/>
+                <a16:creationId xmlns:a16="http://schemas.microsoft.com/office/drawing/2014/main" id="{279AA33C-9A93-0210-174A-6FD38EA95855}"/>
               </a:ext>
             </a:extLst>
           </p:cNvPr>
@@ -166,7 +166,7 @@
           <p:cNvPr id="3" name="副标题 2">
             <a:extLst>
               <a:ext uri="{FF2B5EF4-FFF2-40B4-BE49-F238E27FC236}">
-                <a16:creationId xmlns:a16="http://schemas.microsoft.com/office/drawing/2014/main" id="{561CB9C3-F726-B551-1C13-052852F83DEB}"/>
+                <a16:creationId xmlns:a16="http://schemas.microsoft.com/office/drawing/2014/main" id="{1F5655DD-69E8-D680-154E-8402E88A76CA}"/>
               </a:ext>
             </a:extLst>
           </p:cNvPr>
@@ -236,7 +236,7 @@
           <p:cNvPr id="4" name="日期占位符 3">
             <a:extLst>
               <a:ext uri="{FF2B5EF4-FFF2-40B4-BE49-F238E27FC236}">
-                <a16:creationId xmlns:a16="http://schemas.microsoft.com/office/drawing/2014/main" id="{8152309E-64FF-EE70-1797-8916C1BED0D2}"/>
+                <a16:creationId xmlns:a16="http://schemas.microsoft.com/office/drawing/2014/main" id="{FA66E77D-A43A-E3D5-B9DD-023B2B6B71B8}"/>
               </a:ext>
             </a:extLst>
           </p:cNvPr>
@@ -252,7 +252,7 @@
           <a:bodyPr/>
           <a:lstStyle/>
           <a:p>
-            <a:fld id="{744D214E-3B31-4B9D-AC8E-8D4BAA451EA9}" type="datetimeFigureOut">
+            <a:fld id="{DCEA7527-BE48-456F-9093-21BB45225FF0}" type="datetimeFigureOut">
               <a:rPr lang="zh-CN" altLang="en-US" smtClean="0"/>
               <a:t>2024/3/10</a:t>
             </a:fld>
@@ -265,7 +265,7 @@
           <p:cNvPr id="5" name="页脚占位符 4">
             <a:extLst>
               <a:ext uri="{FF2B5EF4-FFF2-40B4-BE49-F238E27FC236}">
-                <a16:creationId xmlns:a16="http://schemas.microsoft.com/office/drawing/2014/main" id="{08B4FF37-BED3-5B98-91D8-DC5B2D866670}"/>
+                <a16:creationId xmlns:a16="http://schemas.microsoft.com/office/drawing/2014/main" id="{7861B712-C78D-0932-4CEC-9C55FEFB4C2A}"/>
               </a:ext>
             </a:extLst>
           </p:cNvPr>
@@ -290,7 +290,7 @@
           <p:cNvPr id="6" name="灯片编号占位符 5">
             <a:extLst>
               <a:ext uri="{FF2B5EF4-FFF2-40B4-BE49-F238E27FC236}">
-                <a16:creationId xmlns:a16="http://schemas.microsoft.com/office/drawing/2014/main" id="{CE21DC2F-712D-B006-7E68-333983C7E55F}"/>
+                <a16:creationId xmlns:a16="http://schemas.microsoft.com/office/drawing/2014/main" id="{532F88E4-460E-94EE-C06A-F28F39E2EEA5}"/>
               </a:ext>
             </a:extLst>
           </p:cNvPr>
@@ -306,7 +306,7 @@
           <a:bodyPr/>
           <a:lstStyle/>
           <a:p>
-            <a:fld id="{798124BE-FF06-4442-A2A2-67F468693126}" type="slidenum">
+            <a:fld id="{A34AF1C8-92F6-4A86-B960-5CDF57C17718}" type="slidenum">
               <a:rPr lang="zh-CN" altLang="en-US" smtClean="0"/>
               <a:t>‹#›</a:t>
             </a:fld>
@@ -317,7 +317,7 @@
     </p:spTree>
     <p:extLst>
       <p:ext uri="{BB962C8B-B14F-4D97-AF65-F5344CB8AC3E}">
-        <p14:creationId xmlns:p14="http://schemas.microsoft.com/office/powerpoint/2010/main" val="3793758199"/>
+        <p14:creationId xmlns:p14="http://schemas.microsoft.com/office/powerpoint/2010/main" val="1054034807"/>
       </p:ext>
     </p:extLst>
   </p:cSld>
@@ -349,7 +349,7 @@
           <p:cNvPr id="2" name="标题 1">
             <a:extLst>
               <a:ext uri="{FF2B5EF4-FFF2-40B4-BE49-F238E27FC236}">
-                <a16:creationId xmlns:a16="http://schemas.microsoft.com/office/drawing/2014/main" id="{B8FDA26D-F564-421C-2AFE-4D8419ECFA91}"/>
+                <a16:creationId xmlns:a16="http://schemas.microsoft.com/office/drawing/2014/main" id="{F19864F8-0DE0-9102-8142-686B7DCA79ED}"/>
               </a:ext>
             </a:extLst>
           </p:cNvPr>
@@ -377,7 +377,7 @@
           <p:cNvPr id="3" name="竖排文字占位符 2">
             <a:extLst>
               <a:ext uri="{FF2B5EF4-FFF2-40B4-BE49-F238E27FC236}">
-                <a16:creationId xmlns:a16="http://schemas.microsoft.com/office/drawing/2014/main" id="{7C82765C-6955-B4FE-8302-9545E630D415}"/>
+                <a16:creationId xmlns:a16="http://schemas.microsoft.com/office/drawing/2014/main" id="{76F0735B-F84C-D2B9-6BEE-B4FB9571F2C3}"/>
               </a:ext>
             </a:extLst>
           </p:cNvPr>
@@ -434,7 +434,7 @@
           <p:cNvPr id="4" name="日期占位符 3">
             <a:extLst>
               <a:ext uri="{FF2B5EF4-FFF2-40B4-BE49-F238E27FC236}">
-                <a16:creationId xmlns:a16="http://schemas.microsoft.com/office/drawing/2014/main" id="{7404C5CF-37DF-E7F2-072E-687EAE93E2B4}"/>
+                <a16:creationId xmlns:a16="http://schemas.microsoft.com/office/drawing/2014/main" id="{228B3558-03CC-40AB-A033-239B9F079613}"/>
               </a:ext>
             </a:extLst>
           </p:cNvPr>
@@ -450,7 +450,7 @@
           <a:bodyPr/>
           <a:lstStyle/>
           <a:p>
-            <a:fld id="{744D214E-3B31-4B9D-AC8E-8D4BAA451EA9}" type="datetimeFigureOut">
+            <a:fld id="{DCEA7527-BE48-456F-9093-21BB45225FF0}" type="datetimeFigureOut">
               <a:rPr lang="zh-CN" altLang="en-US" smtClean="0"/>
               <a:t>2024/3/10</a:t>
             </a:fld>
@@ -463,7 +463,7 @@
           <p:cNvPr id="5" name="页脚占位符 4">
             <a:extLst>
               <a:ext uri="{FF2B5EF4-FFF2-40B4-BE49-F238E27FC236}">
-                <a16:creationId xmlns:a16="http://schemas.microsoft.com/office/drawing/2014/main" id="{A70BD210-FFDD-118C-95CF-E7B2E017709A}"/>
+                <a16:creationId xmlns:a16="http://schemas.microsoft.com/office/drawing/2014/main" id="{F33AD9A7-AAFA-15E6-CB12-2079AE194942}"/>
               </a:ext>
             </a:extLst>
           </p:cNvPr>
@@ -488,7 +488,7 @@
           <p:cNvPr id="6" name="灯片编号占位符 5">
             <a:extLst>
               <a:ext uri="{FF2B5EF4-FFF2-40B4-BE49-F238E27FC236}">
-                <a16:creationId xmlns:a16="http://schemas.microsoft.com/office/drawing/2014/main" id="{5BD3BCEE-0DF4-69FE-D28F-DC5F37F3DD18}"/>
+                <a16:creationId xmlns:a16="http://schemas.microsoft.com/office/drawing/2014/main" id="{9062D803-C633-AC24-67E7-E1E42EF9BB54}"/>
               </a:ext>
             </a:extLst>
           </p:cNvPr>
@@ -504,7 +504,7 @@
           <a:bodyPr/>
           <a:lstStyle/>
           <a:p>
-            <a:fld id="{798124BE-FF06-4442-A2A2-67F468693126}" type="slidenum">
+            <a:fld id="{A34AF1C8-92F6-4A86-B960-5CDF57C17718}" type="slidenum">
               <a:rPr lang="zh-CN" altLang="en-US" smtClean="0"/>
               <a:t>‹#›</a:t>
             </a:fld>
@@ -515,7 +515,7 @@
     </p:spTree>
     <p:extLst>
       <p:ext uri="{BB962C8B-B14F-4D97-AF65-F5344CB8AC3E}">
-        <p14:creationId xmlns:p14="http://schemas.microsoft.com/office/powerpoint/2010/main" val="684786519"/>
+        <p14:creationId xmlns:p14="http://schemas.microsoft.com/office/powerpoint/2010/main" val="1274177196"/>
       </p:ext>
     </p:extLst>
   </p:cSld>
@@ -547,7 +547,7 @@
           <p:cNvPr id="2" name="竖排标题 1">
             <a:extLst>
               <a:ext uri="{FF2B5EF4-FFF2-40B4-BE49-F238E27FC236}">
-                <a16:creationId xmlns:a16="http://schemas.microsoft.com/office/drawing/2014/main" id="{47EF0067-B7F5-289A-2A92-45702544F310}"/>
+                <a16:creationId xmlns:a16="http://schemas.microsoft.com/office/drawing/2014/main" id="{76BF73E4-0C7D-E0AB-32FE-FC6374C21BA1}"/>
               </a:ext>
             </a:extLst>
           </p:cNvPr>
@@ -580,7 +580,7 @@
           <p:cNvPr id="3" name="竖排文字占位符 2">
             <a:extLst>
               <a:ext uri="{FF2B5EF4-FFF2-40B4-BE49-F238E27FC236}">
-                <a16:creationId xmlns:a16="http://schemas.microsoft.com/office/drawing/2014/main" id="{A3621B29-B1D3-4FE9-DF2F-5907EBABA496}"/>
+                <a16:creationId xmlns:a16="http://schemas.microsoft.com/office/drawing/2014/main" id="{7C5A407D-B652-7123-F035-B6E7D75A22F1}"/>
               </a:ext>
             </a:extLst>
           </p:cNvPr>
@@ -642,7 +642,7 @@
           <p:cNvPr id="4" name="日期占位符 3">
             <a:extLst>
               <a:ext uri="{FF2B5EF4-FFF2-40B4-BE49-F238E27FC236}">
-                <a16:creationId xmlns:a16="http://schemas.microsoft.com/office/drawing/2014/main" id="{4B28254D-A95C-48E1-04F1-A3B9CC1FAF50}"/>
+                <a16:creationId xmlns:a16="http://schemas.microsoft.com/office/drawing/2014/main" id="{8EF9C998-8788-39CC-EC12-926DFD80517B}"/>
               </a:ext>
             </a:extLst>
           </p:cNvPr>
@@ -658,7 +658,7 @@
           <a:bodyPr/>
           <a:lstStyle/>
           <a:p>
-            <a:fld id="{744D214E-3B31-4B9D-AC8E-8D4BAA451EA9}" type="datetimeFigureOut">
+            <a:fld id="{DCEA7527-BE48-456F-9093-21BB45225FF0}" type="datetimeFigureOut">
               <a:rPr lang="zh-CN" altLang="en-US" smtClean="0"/>
               <a:t>2024/3/10</a:t>
             </a:fld>
@@ -671,7 +671,7 @@
           <p:cNvPr id="5" name="页脚占位符 4">
             <a:extLst>
               <a:ext uri="{FF2B5EF4-FFF2-40B4-BE49-F238E27FC236}">
-                <a16:creationId xmlns:a16="http://schemas.microsoft.com/office/drawing/2014/main" id="{99340A1B-9849-CA32-CF6B-A8D236B8F8C4}"/>
+                <a16:creationId xmlns:a16="http://schemas.microsoft.com/office/drawing/2014/main" id="{0009A5EC-8E22-DB92-357A-C5561CC848C1}"/>
               </a:ext>
             </a:extLst>
           </p:cNvPr>
@@ -696,7 +696,7 @@
           <p:cNvPr id="6" name="灯片编号占位符 5">
             <a:extLst>
               <a:ext uri="{FF2B5EF4-FFF2-40B4-BE49-F238E27FC236}">
-                <a16:creationId xmlns:a16="http://schemas.microsoft.com/office/drawing/2014/main" id="{51F6A0CB-E23B-D5B7-C85A-2A9D44F60032}"/>
+                <a16:creationId xmlns:a16="http://schemas.microsoft.com/office/drawing/2014/main" id="{E6BCA422-876C-C97F-839C-794825C92295}"/>
               </a:ext>
             </a:extLst>
           </p:cNvPr>
@@ -712,7 +712,7 @@
           <a:bodyPr/>
           <a:lstStyle/>
           <a:p>
-            <a:fld id="{798124BE-FF06-4442-A2A2-67F468693126}" type="slidenum">
+            <a:fld id="{A34AF1C8-92F6-4A86-B960-5CDF57C17718}" type="slidenum">
               <a:rPr lang="zh-CN" altLang="en-US" smtClean="0"/>
               <a:t>‹#›</a:t>
             </a:fld>
@@ -723,7 +723,7 @@
     </p:spTree>
     <p:extLst>
       <p:ext uri="{BB962C8B-B14F-4D97-AF65-F5344CB8AC3E}">
-        <p14:creationId xmlns:p14="http://schemas.microsoft.com/office/powerpoint/2010/main" val="1199152958"/>
+        <p14:creationId xmlns:p14="http://schemas.microsoft.com/office/powerpoint/2010/main" val="101056185"/>
       </p:ext>
     </p:extLst>
   </p:cSld>
@@ -755,7 +755,7 @@
           <p:cNvPr id="2" name="标题 1">
             <a:extLst>
               <a:ext uri="{FF2B5EF4-FFF2-40B4-BE49-F238E27FC236}">
-                <a16:creationId xmlns:a16="http://schemas.microsoft.com/office/drawing/2014/main" id="{0A6BE63B-3BF9-A94E-813D-EACCAB580CB2}"/>
+                <a16:creationId xmlns:a16="http://schemas.microsoft.com/office/drawing/2014/main" id="{D6A28030-2B4D-3BAA-B3E0-5AE4DB15507F}"/>
               </a:ext>
             </a:extLst>
           </p:cNvPr>
@@ -783,7 +783,7 @@
           <p:cNvPr id="3" name="内容占位符 2">
             <a:extLst>
               <a:ext uri="{FF2B5EF4-FFF2-40B4-BE49-F238E27FC236}">
-                <a16:creationId xmlns:a16="http://schemas.microsoft.com/office/drawing/2014/main" id="{B95AD362-F2A6-E84C-2C7F-C007BCC5D865}"/>
+                <a16:creationId xmlns:a16="http://schemas.microsoft.com/office/drawing/2014/main" id="{837B131B-BBAA-7A47-B751-F1ABE89CF00A}"/>
               </a:ext>
             </a:extLst>
           </p:cNvPr>
@@ -840,7 +840,7 @@
           <p:cNvPr id="4" name="日期占位符 3">
             <a:extLst>
               <a:ext uri="{FF2B5EF4-FFF2-40B4-BE49-F238E27FC236}">
-                <a16:creationId xmlns:a16="http://schemas.microsoft.com/office/drawing/2014/main" id="{C109D06C-931E-7980-8052-3D81CD15E148}"/>
+                <a16:creationId xmlns:a16="http://schemas.microsoft.com/office/drawing/2014/main" id="{9C03918C-E50B-1A2C-774F-BAF10E30A551}"/>
               </a:ext>
             </a:extLst>
           </p:cNvPr>
@@ -856,7 +856,7 @@
           <a:bodyPr/>
           <a:lstStyle/>
           <a:p>
-            <a:fld id="{744D214E-3B31-4B9D-AC8E-8D4BAA451EA9}" type="datetimeFigureOut">
+            <a:fld id="{DCEA7527-BE48-456F-9093-21BB45225FF0}" type="datetimeFigureOut">
               <a:rPr lang="zh-CN" altLang="en-US" smtClean="0"/>
               <a:t>2024/3/10</a:t>
             </a:fld>
@@ -869,7 +869,7 @@
           <p:cNvPr id="5" name="页脚占位符 4">
             <a:extLst>
               <a:ext uri="{FF2B5EF4-FFF2-40B4-BE49-F238E27FC236}">
-                <a16:creationId xmlns:a16="http://schemas.microsoft.com/office/drawing/2014/main" id="{B7D0356D-F0A1-B83D-07DA-3BFABB778956}"/>
+                <a16:creationId xmlns:a16="http://schemas.microsoft.com/office/drawing/2014/main" id="{CFA8816C-B859-BF09-0892-88B1A9BA89E6}"/>
               </a:ext>
             </a:extLst>
           </p:cNvPr>
@@ -894,7 +894,7 @@
           <p:cNvPr id="6" name="灯片编号占位符 5">
             <a:extLst>
               <a:ext uri="{FF2B5EF4-FFF2-40B4-BE49-F238E27FC236}">
-                <a16:creationId xmlns:a16="http://schemas.microsoft.com/office/drawing/2014/main" id="{DBD8EBBA-7983-816D-1F62-EABA5582C72F}"/>
+                <a16:creationId xmlns:a16="http://schemas.microsoft.com/office/drawing/2014/main" id="{4B6363E2-1C57-E8E6-AFCC-38A43A71FFD5}"/>
               </a:ext>
             </a:extLst>
           </p:cNvPr>
@@ -910,7 +910,7 @@
           <a:bodyPr/>
           <a:lstStyle/>
           <a:p>
-            <a:fld id="{798124BE-FF06-4442-A2A2-67F468693126}" type="slidenum">
+            <a:fld id="{A34AF1C8-92F6-4A86-B960-5CDF57C17718}" type="slidenum">
               <a:rPr lang="zh-CN" altLang="en-US" smtClean="0"/>
               <a:t>‹#›</a:t>
             </a:fld>
@@ -921,7 +921,7 @@
     </p:spTree>
     <p:extLst>
       <p:ext uri="{BB962C8B-B14F-4D97-AF65-F5344CB8AC3E}">
-        <p14:creationId xmlns:p14="http://schemas.microsoft.com/office/powerpoint/2010/main" val="126516131"/>
+        <p14:creationId xmlns:p14="http://schemas.microsoft.com/office/powerpoint/2010/main" val="3895180998"/>
       </p:ext>
     </p:extLst>
   </p:cSld>
@@ -953,7 +953,7 @@
           <p:cNvPr id="2" name="标题 1">
             <a:extLst>
               <a:ext uri="{FF2B5EF4-FFF2-40B4-BE49-F238E27FC236}">
-                <a16:creationId xmlns:a16="http://schemas.microsoft.com/office/drawing/2014/main" id="{9D12D632-21B4-829C-9748-D1DE8B2C5A94}"/>
+                <a16:creationId xmlns:a16="http://schemas.microsoft.com/office/drawing/2014/main" id="{242BEE27-80FB-3F30-B137-BABAC6080355}"/>
               </a:ext>
             </a:extLst>
           </p:cNvPr>
@@ -990,7 +990,7 @@
           <p:cNvPr id="3" name="文本占位符 2">
             <a:extLst>
               <a:ext uri="{FF2B5EF4-FFF2-40B4-BE49-F238E27FC236}">
-                <a16:creationId xmlns:a16="http://schemas.microsoft.com/office/drawing/2014/main" id="{B97CEAAA-F071-75B9-F50D-6F233A639A52}"/>
+                <a16:creationId xmlns:a16="http://schemas.microsoft.com/office/drawing/2014/main" id="{0E381D88-1BE3-5898-06BC-0DC9C2B80AD8}"/>
               </a:ext>
             </a:extLst>
           </p:cNvPr>
@@ -1115,7 +1115,7 @@
           <p:cNvPr id="4" name="日期占位符 3">
             <a:extLst>
               <a:ext uri="{FF2B5EF4-FFF2-40B4-BE49-F238E27FC236}">
-                <a16:creationId xmlns:a16="http://schemas.microsoft.com/office/drawing/2014/main" id="{900D40FC-CA0A-3C91-0A38-5846BB86DE97}"/>
+                <a16:creationId xmlns:a16="http://schemas.microsoft.com/office/drawing/2014/main" id="{2B04ED33-1662-CF2C-5983-B13C94890B74}"/>
               </a:ext>
             </a:extLst>
           </p:cNvPr>
@@ -1131,7 +1131,7 @@
           <a:bodyPr/>
           <a:lstStyle/>
           <a:p>
-            <a:fld id="{744D214E-3B31-4B9D-AC8E-8D4BAA451EA9}" type="datetimeFigureOut">
+            <a:fld id="{DCEA7527-BE48-456F-9093-21BB45225FF0}" type="datetimeFigureOut">
               <a:rPr lang="zh-CN" altLang="en-US" smtClean="0"/>
               <a:t>2024/3/10</a:t>
             </a:fld>
@@ -1144,7 +1144,7 @@
           <p:cNvPr id="5" name="页脚占位符 4">
             <a:extLst>
               <a:ext uri="{FF2B5EF4-FFF2-40B4-BE49-F238E27FC236}">
-                <a16:creationId xmlns:a16="http://schemas.microsoft.com/office/drawing/2014/main" id="{EFAF7D88-D4BA-3A9D-585F-991FB868F8F5}"/>
+                <a16:creationId xmlns:a16="http://schemas.microsoft.com/office/drawing/2014/main" id="{3E8CAE36-30B4-E134-5DF0-520A88E45862}"/>
               </a:ext>
             </a:extLst>
           </p:cNvPr>
@@ -1169,7 +1169,7 @@
           <p:cNvPr id="6" name="灯片编号占位符 5">
             <a:extLst>
               <a:ext uri="{FF2B5EF4-FFF2-40B4-BE49-F238E27FC236}">
-                <a16:creationId xmlns:a16="http://schemas.microsoft.com/office/drawing/2014/main" id="{B532E626-0B76-7550-8331-BF8F538D5A86}"/>
+                <a16:creationId xmlns:a16="http://schemas.microsoft.com/office/drawing/2014/main" id="{ADA5233C-AD60-7858-E446-250E2DC0EC1D}"/>
               </a:ext>
             </a:extLst>
           </p:cNvPr>
@@ -1185,7 +1185,7 @@
           <a:bodyPr/>
           <a:lstStyle/>
           <a:p>
-            <a:fld id="{798124BE-FF06-4442-A2A2-67F468693126}" type="slidenum">
+            <a:fld id="{A34AF1C8-92F6-4A86-B960-5CDF57C17718}" type="slidenum">
               <a:rPr lang="zh-CN" altLang="en-US" smtClean="0"/>
               <a:t>‹#›</a:t>
             </a:fld>
@@ -1196,7 +1196,7 @@
     </p:spTree>
     <p:extLst>
       <p:ext uri="{BB962C8B-B14F-4D97-AF65-F5344CB8AC3E}">
-        <p14:creationId xmlns:p14="http://schemas.microsoft.com/office/powerpoint/2010/main" val="4213641732"/>
+        <p14:creationId xmlns:p14="http://schemas.microsoft.com/office/powerpoint/2010/main" val="472339962"/>
       </p:ext>
     </p:extLst>
   </p:cSld>
@@ -1228,7 +1228,7 @@
           <p:cNvPr id="2" name="标题 1">
             <a:extLst>
               <a:ext uri="{FF2B5EF4-FFF2-40B4-BE49-F238E27FC236}">
-                <a16:creationId xmlns:a16="http://schemas.microsoft.com/office/drawing/2014/main" id="{736988ED-AB25-FF28-C0A5-25A32918180D}"/>
+                <a16:creationId xmlns:a16="http://schemas.microsoft.com/office/drawing/2014/main" id="{48B7278F-84D6-6B48-709F-73440B91AAA4}"/>
               </a:ext>
             </a:extLst>
           </p:cNvPr>
@@ -1256,7 +1256,7 @@
           <p:cNvPr id="3" name="内容占位符 2">
             <a:extLst>
               <a:ext uri="{FF2B5EF4-FFF2-40B4-BE49-F238E27FC236}">
-                <a16:creationId xmlns:a16="http://schemas.microsoft.com/office/drawing/2014/main" id="{1AAA3264-6B7A-1620-AA5E-7A50D09EE87C}"/>
+                <a16:creationId xmlns:a16="http://schemas.microsoft.com/office/drawing/2014/main" id="{DD92F1ED-0624-46EF-03ED-E63594ACE145}"/>
               </a:ext>
             </a:extLst>
           </p:cNvPr>
@@ -1318,7 +1318,7 @@
           <p:cNvPr id="4" name="内容占位符 3">
             <a:extLst>
               <a:ext uri="{FF2B5EF4-FFF2-40B4-BE49-F238E27FC236}">
-                <a16:creationId xmlns:a16="http://schemas.microsoft.com/office/drawing/2014/main" id="{0FE16532-8886-D3F1-0094-202934098A64}"/>
+                <a16:creationId xmlns:a16="http://schemas.microsoft.com/office/drawing/2014/main" id="{C3696084-B6FF-B5A4-C5DD-5BEC03A2B99C}"/>
               </a:ext>
             </a:extLst>
           </p:cNvPr>
@@ -1380,7 +1380,7 @@
           <p:cNvPr id="5" name="日期占位符 4">
             <a:extLst>
               <a:ext uri="{FF2B5EF4-FFF2-40B4-BE49-F238E27FC236}">
-                <a16:creationId xmlns:a16="http://schemas.microsoft.com/office/drawing/2014/main" id="{CA64A885-F2CF-CEFA-270B-93A1971B33FF}"/>
+                <a16:creationId xmlns:a16="http://schemas.microsoft.com/office/drawing/2014/main" id="{5492A337-DF3A-7DE1-9717-9D8390B323FF}"/>
               </a:ext>
             </a:extLst>
           </p:cNvPr>
@@ -1396,7 +1396,7 @@
           <a:bodyPr/>
           <a:lstStyle/>
           <a:p>
-            <a:fld id="{744D214E-3B31-4B9D-AC8E-8D4BAA451EA9}" type="datetimeFigureOut">
+            <a:fld id="{DCEA7527-BE48-456F-9093-21BB45225FF0}" type="datetimeFigureOut">
               <a:rPr lang="zh-CN" altLang="en-US" smtClean="0"/>
               <a:t>2024/3/10</a:t>
             </a:fld>
@@ -1409,7 +1409,7 @@
           <p:cNvPr id="6" name="页脚占位符 5">
             <a:extLst>
               <a:ext uri="{FF2B5EF4-FFF2-40B4-BE49-F238E27FC236}">
-                <a16:creationId xmlns:a16="http://schemas.microsoft.com/office/drawing/2014/main" id="{9A91EC80-074A-2870-52F2-8410B630D874}"/>
+                <a16:creationId xmlns:a16="http://schemas.microsoft.com/office/drawing/2014/main" id="{9A8BF1B2-76B4-632A-7610-82004126B64D}"/>
               </a:ext>
             </a:extLst>
           </p:cNvPr>
@@ -1434,7 +1434,7 @@
           <p:cNvPr id="7" name="灯片编号占位符 6">
             <a:extLst>
               <a:ext uri="{FF2B5EF4-FFF2-40B4-BE49-F238E27FC236}">
-                <a16:creationId xmlns:a16="http://schemas.microsoft.com/office/drawing/2014/main" id="{8693AEC5-B8AE-A1A5-202B-2229C5110C42}"/>
+                <a16:creationId xmlns:a16="http://schemas.microsoft.com/office/drawing/2014/main" id="{9BCE509C-8CB9-472D-D0CC-F0E0BDAAFCD0}"/>
               </a:ext>
             </a:extLst>
           </p:cNvPr>
@@ -1450,7 +1450,7 @@
           <a:bodyPr/>
           <a:lstStyle/>
           <a:p>
-            <a:fld id="{798124BE-FF06-4442-A2A2-67F468693126}" type="slidenum">
+            <a:fld id="{A34AF1C8-92F6-4A86-B960-5CDF57C17718}" type="slidenum">
               <a:rPr lang="zh-CN" altLang="en-US" smtClean="0"/>
               <a:t>‹#›</a:t>
             </a:fld>
@@ -1461,7 +1461,7 @@
     </p:spTree>
     <p:extLst>
       <p:ext uri="{BB962C8B-B14F-4D97-AF65-F5344CB8AC3E}">
-        <p14:creationId xmlns:p14="http://schemas.microsoft.com/office/powerpoint/2010/main" val="1373603665"/>
+        <p14:creationId xmlns:p14="http://schemas.microsoft.com/office/powerpoint/2010/main" val="2906323127"/>
       </p:ext>
     </p:extLst>
   </p:cSld>
@@ -1493,7 +1493,7 @@
           <p:cNvPr id="2" name="标题 1">
             <a:extLst>
               <a:ext uri="{FF2B5EF4-FFF2-40B4-BE49-F238E27FC236}">
-                <a16:creationId xmlns:a16="http://schemas.microsoft.com/office/drawing/2014/main" id="{4B5E8359-FD97-8CB8-CC4A-7D2C19E87FED}"/>
+                <a16:creationId xmlns:a16="http://schemas.microsoft.com/office/drawing/2014/main" id="{B896F115-FD10-4E53-3A6B-9E439C34C9F5}"/>
               </a:ext>
             </a:extLst>
           </p:cNvPr>
@@ -1526,7 +1526,7 @@
           <p:cNvPr id="3" name="文本占位符 2">
             <a:extLst>
               <a:ext uri="{FF2B5EF4-FFF2-40B4-BE49-F238E27FC236}">
-                <a16:creationId xmlns:a16="http://schemas.microsoft.com/office/drawing/2014/main" id="{7F19D464-A423-5D97-E832-B4F11CC5D590}"/>
+                <a16:creationId xmlns:a16="http://schemas.microsoft.com/office/drawing/2014/main" id="{BD8BD1DF-ABCC-013F-A04B-3F854ED4C4F7}"/>
               </a:ext>
             </a:extLst>
           </p:cNvPr>
@@ -1597,7 +1597,7 @@
           <p:cNvPr id="4" name="内容占位符 3">
             <a:extLst>
               <a:ext uri="{FF2B5EF4-FFF2-40B4-BE49-F238E27FC236}">
-                <a16:creationId xmlns:a16="http://schemas.microsoft.com/office/drawing/2014/main" id="{6567BA1B-4EE6-27B2-5510-0EAA17CACB81}"/>
+                <a16:creationId xmlns:a16="http://schemas.microsoft.com/office/drawing/2014/main" id="{04EE8B16-0AA1-2722-2E41-6C92DF6B2AFC}"/>
               </a:ext>
             </a:extLst>
           </p:cNvPr>
@@ -1659,7 +1659,7 @@
           <p:cNvPr id="5" name="文本占位符 4">
             <a:extLst>
               <a:ext uri="{FF2B5EF4-FFF2-40B4-BE49-F238E27FC236}">
-                <a16:creationId xmlns:a16="http://schemas.microsoft.com/office/drawing/2014/main" id="{A8564C10-C238-1EAF-2391-BB23AEA5404F}"/>
+                <a16:creationId xmlns:a16="http://schemas.microsoft.com/office/drawing/2014/main" id="{9DFD5306-E195-F69B-77E7-35024647A6A7}"/>
               </a:ext>
             </a:extLst>
           </p:cNvPr>
@@ -1730,7 +1730,7 @@
           <p:cNvPr id="6" name="内容占位符 5">
             <a:extLst>
               <a:ext uri="{FF2B5EF4-FFF2-40B4-BE49-F238E27FC236}">
-                <a16:creationId xmlns:a16="http://schemas.microsoft.com/office/drawing/2014/main" id="{2E878248-71A8-A4DE-05FE-92221FAB5C57}"/>
+                <a16:creationId xmlns:a16="http://schemas.microsoft.com/office/drawing/2014/main" id="{F680EFEB-B5CA-BCAC-EB7A-A39AC7FAA553}"/>
               </a:ext>
             </a:extLst>
           </p:cNvPr>
@@ -1792,7 +1792,7 @@
           <p:cNvPr id="7" name="日期占位符 6">
             <a:extLst>
               <a:ext uri="{FF2B5EF4-FFF2-40B4-BE49-F238E27FC236}">
-                <a16:creationId xmlns:a16="http://schemas.microsoft.com/office/drawing/2014/main" id="{0B308FBD-208F-E72F-C280-8A2A9E2E8ADD}"/>
+                <a16:creationId xmlns:a16="http://schemas.microsoft.com/office/drawing/2014/main" id="{39E9BB77-D880-804E-BDB6-0F95D3DDAA47}"/>
               </a:ext>
             </a:extLst>
           </p:cNvPr>
@@ -1808,7 +1808,7 @@
           <a:bodyPr/>
           <a:lstStyle/>
           <a:p>
-            <a:fld id="{744D214E-3B31-4B9D-AC8E-8D4BAA451EA9}" type="datetimeFigureOut">
+            <a:fld id="{DCEA7527-BE48-456F-9093-21BB45225FF0}" type="datetimeFigureOut">
               <a:rPr lang="zh-CN" altLang="en-US" smtClean="0"/>
               <a:t>2024/3/10</a:t>
             </a:fld>
@@ -1821,7 +1821,7 @@
           <p:cNvPr id="8" name="页脚占位符 7">
             <a:extLst>
               <a:ext uri="{FF2B5EF4-FFF2-40B4-BE49-F238E27FC236}">
-                <a16:creationId xmlns:a16="http://schemas.microsoft.com/office/drawing/2014/main" id="{3B9710A6-82D7-BF52-4829-6C929D139AB8}"/>
+                <a16:creationId xmlns:a16="http://schemas.microsoft.com/office/drawing/2014/main" id="{6F5E198C-451E-D893-7AE7-81CFD750E1D6}"/>
               </a:ext>
             </a:extLst>
           </p:cNvPr>
@@ -1846,7 +1846,7 @@
           <p:cNvPr id="9" name="灯片编号占位符 8">
             <a:extLst>
               <a:ext uri="{FF2B5EF4-FFF2-40B4-BE49-F238E27FC236}">
-                <a16:creationId xmlns:a16="http://schemas.microsoft.com/office/drawing/2014/main" id="{B95F00AE-8FCA-EE4C-7BE5-A16E1E4A4DC3}"/>
+                <a16:creationId xmlns:a16="http://schemas.microsoft.com/office/drawing/2014/main" id="{F70D1979-3E60-8EE6-CC5E-81677270CCF7}"/>
               </a:ext>
             </a:extLst>
           </p:cNvPr>
@@ -1862,7 +1862,7 @@
           <a:bodyPr/>
           <a:lstStyle/>
           <a:p>
-            <a:fld id="{798124BE-FF06-4442-A2A2-67F468693126}" type="slidenum">
+            <a:fld id="{A34AF1C8-92F6-4A86-B960-5CDF57C17718}" type="slidenum">
               <a:rPr lang="zh-CN" altLang="en-US" smtClean="0"/>
               <a:t>‹#›</a:t>
             </a:fld>
@@ -1873,7 +1873,7 @@
     </p:spTree>
     <p:extLst>
       <p:ext uri="{BB962C8B-B14F-4D97-AF65-F5344CB8AC3E}">
-        <p14:creationId xmlns:p14="http://schemas.microsoft.com/office/powerpoint/2010/main" val="832501035"/>
+        <p14:creationId xmlns:p14="http://schemas.microsoft.com/office/powerpoint/2010/main" val="3787837328"/>
       </p:ext>
     </p:extLst>
   </p:cSld>
@@ -1905,7 +1905,7 @@
           <p:cNvPr id="2" name="标题 1">
             <a:extLst>
               <a:ext uri="{FF2B5EF4-FFF2-40B4-BE49-F238E27FC236}">
-                <a16:creationId xmlns:a16="http://schemas.microsoft.com/office/drawing/2014/main" id="{B5675FE8-422C-CBB5-9D78-4D022F269D10}"/>
+                <a16:creationId xmlns:a16="http://schemas.microsoft.com/office/drawing/2014/main" id="{CCD21FB6-F7D1-5BDE-1A18-04A3F9730A43}"/>
               </a:ext>
             </a:extLst>
           </p:cNvPr>
@@ -1933,7 +1933,7 @@
           <p:cNvPr id="3" name="日期占位符 2">
             <a:extLst>
               <a:ext uri="{FF2B5EF4-FFF2-40B4-BE49-F238E27FC236}">
-                <a16:creationId xmlns:a16="http://schemas.microsoft.com/office/drawing/2014/main" id="{B69B3D5C-090A-BC96-1B6D-D1FCD7348265}"/>
+                <a16:creationId xmlns:a16="http://schemas.microsoft.com/office/drawing/2014/main" id="{BA2CD8F5-8605-78E1-C908-6B0BB509F140}"/>
               </a:ext>
             </a:extLst>
           </p:cNvPr>
@@ -1949,7 +1949,7 @@
           <a:bodyPr/>
           <a:lstStyle/>
           <a:p>
-            <a:fld id="{744D214E-3B31-4B9D-AC8E-8D4BAA451EA9}" type="datetimeFigureOut">
+            <a:fld id="{DCEA7527-BE48-456F-9093-21BB45225FF0}" type="datetimeFigureOut">
               <a:rPr lang="zh-CN" altLang="en-US" smtClean="0"/>
               <a:t>2024/3/10</a:t>
             </a:fld>
@@ -1962,7 +1962,7 @@
           <p:cNvPr id="4" name="页脚占位符 3">
             <a:extLst>
               <a:ext uri="{FF2B5EF4-FFF2-40B4-BE49-F238E27FC236}">
-                <a16:creationId xmlns:a16="http://schemas.microsoft.com/office/drawing/2014/main" id="{C5FB5E9F-4758-C84A-08D4-A44DCB9D8F61}"/>
+                <a16:creationId xmlns:a16="http://schemas.microsoft.com/office/drawing/2014/main" id="{CE4608A7-F0D5-2306-EEC8-8EBD4AB26D5D}"/>
               </a:ext>
             </a:extLst>
           </p:cNvPr>
@@ -1987,7 +1987,7 @@
           <p:cNvPr id="5" name="灯片编号占位符 4">
             <a:extLst>
               <a:ext uri="{FF2B5EF4-FFF2-40B4-BE49-F238E27FC236}">
-                <a16:creationId xmlns:a16="http://schemas.microsoft.com/office/drawing/2014/main" id="{C5AC196D-48E7-9F97-6013-73FE4913CB49}"/>
+                <a16:creationId xmlns:a16="http://schemas.microsoft.com/office/drawing/2014/main" id="{87CC4956-FD25-007B-2044-13779F8E1670}"/>
               </a:ext>
             </a:extLst>
           </p:cNvPr>
@@ -2003,7 +2003,7 @@
           <a:bodyPr/>
           <a:lstStyle/>
           <a:p>
-            <a:fld id="{798124BE-FF06-4442-A2A2-67F468693126}" type="slidenum">
+            <a:fld id="{A34AF1C8-92F6-4A86-B960-5CDF57C17718}" type="slidenum">
               <a:rPr lang="zh-CN" altLang="en-US" smtClean="0"/>
               <a:t>‹#›</a:t>
             </a:fld>
@@ -2014,7 +2014,7 @@
     </p:spTree>
     <p:extLst>
       <p:ext uri="{BB962C8B-B14F-4D97-AF65-F5344CB8AC3E}">
-        <p14:creationId xmlns:p14="http://schemas.microsoft.com/office/powerpoint/2010/main" val="3512187994"/>
+        <p14:creationId xmlns:p14="http://schemas.microsoft.com/office/powerpoint/2010/main" val="2232900625"/>
       </p:ext>
     </p:extLst>
   </p:cSld>
@@ -2046,7 +2046,7 @@
           <p:cNvPr id="2" name="日期占位符 1">
             <a:extLst>
               <a:ext uri="{FF2B5EF4-FFF2-40B4-BE49-F238E27FC236}">
-                <a16:creationId xmlns:a16="http://schemas.microsoft.com/office/drawing/2014/main" id="{36ADD40D-5C18-3785-B690-EE00C5332EE2}"/>
+                <a16:creationId xmlns:a16="http://schemas.microsoft.com/office/drawing/2014/main" id="{A2F378C0-5070-EBFB-0493-7272BDFA085D}"/>
               </a:ext>
             </a:extLst>
           </p:cNvPr>
@@ -2062,7 +2062,7 @@
           <a:bodyPr/>
           <a:lstStyle/>
           <a:p>
-            <a:fld id="{744D214E-3B31-4B9D-AC8E-8D4BAA451EA9}" type="datetimeFigureOut">
+            <a:fld id="{DCEA7527-BE48-456F-9093-21BB45225FF0}" type="datetimeFigureOut">
               <a:rPr lang="zh-CN" altLang="en-US" smtClean="0"/>
               <a:t>2024/3/10</a:t>
             </a:fld>
@@ -2075,7 +2075,7 @@
           <p:cNvPr id="3" name="页脚占位符 2">
             <a:extLst>
               <a:ext uri="{FF2B5EF4-FFF2-40B4-BE49-F238E27FC236}">
-                <a16:creationId xmlns:a16="http://schemas.microsoft.com/office/drawing/2014/main" id="{23ECDDF1-B5A8-C9F1-3A49-8CFD694B55A0}"/>
+                <a16:creationId xmlns:a16="http://schemas.microsoft.com/office/drawing/2014/main" id="{784C7963-3287-8830-E6D8-074634D70A0E}"/>
               </a:ext>
             </a:extLst>
           </p:cNvPr>
@@ -2100,7 +2100,7 @@
           <p:cNvPr id="4" name="灯片编号占位符 3">
             <a:extLst>
               <a:ext uri="{FF2B5EF4-FFF2-40B4-BE49-F238E27FC236}">
-                <a16:creationId xmlns:a16="http://schemas.microsoft.com/office/drawing/2014/main" id="{3E6243DA-9D6B-80F9-CC35-052AC125CE5D}"/>
+                <a16:creationId xmlns:a16="http://schemas.microsoft.com/office/drawing/2014/main" id="{ED3FA787-AD4A-6F1D-73D9-961494C401B1}"/>
               </a:ext>
             </a:extLst>
           </p:cNvPr>
@@ -2116,7 +2116,7 @@
           <a:bodyPr/>
           <a:lstStyle/>
           <a:p>
-            <a:fld id="{798124BE-FF06-4442-A2A2-67F468693126}" type="slidenum">
+            <a:fld id="{A34AF1C8-92F6-4A86-B960-5CDF57C17718}" type="slidenum">
               <a:rPr lang="zh-CN" altLang="en-US" smtClean="0"/>
               <a:t>‹#›</a:t>
             </a:fld>
@@ -2127,7 +2127,7 @@
     </p:spTree>
     <p:extLst>
       <p:ext uri="{BB962C8B-B14F-4D97-AF65-F5344CB8AC3E}">
-        <p14:creationId xmlns:p14="http://schemas.microsoft.com/office/powerpoint/2010/main" val="3469018007"/>
+        <p14:creationId xmlns:p14="http://schemas.microsoft.com/office/powerpoint/2010/main" val="753074878"/>
       </p:ext>
     </p:extLst>
   </p:cSld>
@@ -2159,7 +2159,7 @@
           <p:cNvPr id="2" name="标题 1">
             <a:extLst>
               <a:ext uri="{FF2B5EF4-FFF2-40B4-BE49-F238E27FC236}">
-                <a16:creationId xmlns:a16="http://schemas.microsoft.com/office/drawing/2014/main" id="{FE73FB03-5A7E-A0F7-92B6-E6B7D0E97F2A}"/>
+                <a16:creationId xmlns:a16="http://schemas.microsoft.com/office/drawing/2014/main" id="{A70870FA-863C-1549-56EC-3162E621E0C6}"/>
               </a:ext>
             </a:extLst>
           </p:cNvPr>
@@ -2196,7 +2196,7 @@
           <p:cNvPr id="3" name="内容占位符 2">
             <a:extLst>
               <a:ext uri="{FF2B5EF4-FFF2-40B4-BE49-F238E27FC236}">
-                <a16:creationId xmlns:a16="http://schemas.microsoft.com/office/drawing/2014/main" id="{9295B0EE-C04E-DA79-C1DF-66A51DDED3D0}"/>
+                <a16:creationId xmlns:a16="http://schemas.microsoft.com/office/drawing/2014/main" id="{4FBEC809-E288-FDF6-7690-C4F06EC0B730}"/>
               </a:ext>
             </a:extLst>
           </p:cNvPr>
@@ -2286,7 +2286,7 @@
           <p:cNvPr id="4" name="文本占位符 3">
             <a:extLst>
               <a:ext uri="{FF2B5EF4-FFF2-40B4-BE49-F238E27FC236}">
-                <a16:creationId xmlns:a16="http://schemas.microsoft.com/office/drawing/2014/main" id="{FC1AE427-1CBB-378F-3723-21A58B523CB4}"/>
+                <a16:creationId xmlns:a16="http://schemas.microsoft.com/office/drawing/2014/main" id="{958FA127-FCD6-F909-BD2F-3A3199B3C404}"/>
               </a:ext>
             </a:extLst>
           </p:cNvPr>
@@ -2357,7 +2357,7 @@
           <p:cNvPr id="5" name="日期占位符 4">
             <a:extLst>
               <a:ext uri="{FF2B5EF4-FFF2-40B4-BE49-F238E27FC236}">
-                <a16:creationId xmlns:a16="http://schemas.microsoft.com/office/drawing/2014/main" id="{438CF681-CF53-EB2A-B701-77F8B4904CC0}"/>
+                <a16:creationId xmlns:a16="http://schemas.microsoft.com/office/drawing/2014/main" id="{5E91AE67-40C3-4047-1337-74AEF3F741D9}"/>
               </a:ext>
             </a:extLst>
           </p:cNvPr>
@@ -2373,7 +2373,7 @@
           <a:bodyPr/>
           <a:lstStyle/>
           <a:p>
-            <a:fld id="{744D214E-3B31-4B9D-AC8E-8D4BAA451EA9}" type="datetimeFigureOut">
+            <a:fld id="{DCEA7527-BE48-456F-9093-21BB45225FF0}" type="datetimeFigureOut">
               <a:rPr lang="zh-CN" altLang="en-US" smtClean="0"/>
               <a:t>2024/3/10</a:t>
             </a:fld>
@@ -2386,7 +2386,7 @@
           <p:cNvPr id="6" name="页脚占位符 5">
             <a:extLst>
               <a:ext uri="{FF2B5EF4-FFF2-40B4-BE49-F238E27FC236}">
-                <a16:creationId xmlns:a16="http://schemas.microsoft.com/office/drawing/2014/main" id="{A35E19F6-5B6E-CDD1-0D52-2D7EB0A155E3}"/>
+                <a16:creationId xmlns:a16="http://schemas.microsoft.com/office/drawing/2014/main" id="{23E352E3-D2C7-E532-2652-A4C347590DB6}"/>
               </a:ext>
             </a:extLst>
           </p:cNvPr>
@@ -2411,7 +2411,7 @@
           <p:cNvPr id="7" name="灯片编号占位符 6">
             <a:extLst>
               <a:ext uri="{FF2B5EF4-FFF2-40B4-BE49-F238E27FC236}">
-                <a16:creationId xmlns:a16="http://schemas.microsoft.com/office/drawing/2014/main" id="{2C4E840C-5E79-13CF-D7D8-86F8393FA4CD}"/>
+                <a16:creationId xmlns:a16="http://schemas.microsoft.com/office/drawing/2014/main" id="{C543DB94-DF35-BE96-3698-428C6E8FC47E}"/>
               </a:ext>
             </a:extLst>
           </p:cNvPr>
@@ -2427,7 +2427,7 @@
           <a:bodyPr/>
           <a:lstStyle/>
           <a:p>
-            <a:fld id="{798124BE-FF06-4442-A2A2-67F468693126}" type="slidenum">
+            <a:fld id="{A34AF1C8-92F6-4A86-B960-5CDF57C17718}" type="slidenum">
               <a:rPr lang="zh-CN" altLang="en-US" smtClean="0"/>
               <a:t>‹#›</a:t>
             </a:fld>
@@ -2438,7 +2438,7 @@
     </p:spTree>
     <p:extLst>
       <p:ext uri="{BB962C8B-B14F-4D97-AF65-F5344CB8AC3E}">
-        <p14:creationId xmlns:p14="http://schemas.microsoft.com/office/powerpoint/2010/main" val="1551277411"/>
+        <p14:creationId xmlns:p14="http://schemas.microsoft.com/office/powerpoint/2010/main" val="2293422177"/>
       </p:ext>
     </p:extLst>
   </p:cSld>
@@ -2470,7 +2470,7 @@
           <p:cNvPr id="2" name="标题 1">
             <a:extLst>
               <a:ext uri="{FF2B5EF4-FFF2-40B4-BE49-F238E27FC236}">
-                <a16:creationId xmlns:a16="http://schemas.microsoft.com/office/drawing/2014/main" id="{40F17385-1E73-6EC3-A6AE-B2322C6374E3}"/>
+                <a16:creationId xmlns:a16="http://schemas.microsoft.com/office/drawing/2014/main" id="{E972947B-746C-5F7B-C6DE-B176C12EFAA9}"/>
               </a:ext>
             </a:extLst>
           </p:cNvPr>
@@ -2507,7 +2507,7 @@
           <p:cNvPr id="3" name="图片占位符 2">
             <a:extLst>
               <a:ext uri="{FF2B5EF4-FFF2-40B4-BE49-F238E27FC236}">
-                <a16:creationId xmlns:a16="http://schemas.microsoft.com/office/drawing/2014/main" id="{9C1615A6-36BD-1CE8-7A0F-0551DE74F044}"/>
+                <a16:creationId xmlns:a16="http://schemas.microsoft.com/office/drawing/2014/main" id="{3E865E44-3D0B-F64B-A42D-3A53DE31CD62}"/>
               </a:ext>
             </a:extLst>
           </p:cNvPr>
@@ -2574,7 +2574,7 @@
           <p:cNvPr id="4" name="文本占位符 3">
             <a:extLst>
               <a:ext uri="{FF2B5EF4-FFF2-40B4-BE49-F238E27FC236}">
-                <a16:creationId xmlns:a16="http://schemas.microsoft.com/office/drawing/2014/main" id="{68E45DF5-C3DE-76DB-5A76-A2790D134CFE}"/>
+                <a16:creationId xmlns:a16="http://schemas.microsoft.com/office/drawing/2014/main" id="{2F130BBE-A1EF-E866-1FE3-8A3BB3BD747C}"/>
               </a:ext>
             </a:extLst>
           </p:cNvPr>
@@ -2645,7 +2645,7 @@
           <p:cNvPr id="5" name="日期占位符 4">
             <a:extLst>
               <a:ext uri="{FF2B5EF4-FFF2-40B4-BE49-F238E27FC236}">
-                <a16:creationId xmlns:a16="http://schemas.microsoft.com/office/drawing/2014/main" id="{03A62E23-20E8-B681-EE04-F03F1502AA1D}"/>
+                <a16:creationId xmlns:a16="http://schemas.microsoft.com/office/drawing/2014/main" id="{F07C2A51-F171-C840-FCAF-82EDBE766F62}"/>
               </a:ext>
             </a:extLst>
           </p:cNvPr>
@@ -2661,7 +2661,7 @@
           <a:bodyPr/>
           <a:lstStyle/>
           <a:p>
-            <a:fld id="{744D214E-3B31-4B9D-AC8E-8D4BAA451EA9}" type="datetimeFigureOut">
+            <a:fld id="{DCEA7527-BE48-456F-9093-21BB45225FF0}" type="datetimeFigureOut">
               <a:rPr lang="zh-CN" altLang="en-US" smtClean="0"/>
               <a:t>2024/3/10</a:t>
             </a:fld>
@@ -2674,7 +2674,7 @@
           <p:cNvPr id="6" name="页脚占位符 5">
             <a:extLst>
               <a:ext uri="{FF2B5EF4-FFF2-40B4-BE49-F238E27FC236}">
-                <a16:creationId xmlns:a16="http://schemas.microsoft.com/office/drawing/2014/main" id="{AD4DDC39-1774-2A95-737D-1959F510067F}"/>
+                <a16:creationId xmlns:a16="http://schemas.microsoft.com/office/drawing/2014/main" id="{0449D1E7-AF95-DCBB-6E7D-DBEB5F1179E8}"/>
               </a:ext>
             </a:extLst>
           </p:cNvPr>
@@ -2699,7 +2699,7 @@
           <p:cNvPr id="7" name="灯片编号占位符 6">
             <a:extLst>
               <a:ext uri="{FF2B5EF4-FFF2-40B4-BE49-F238E27FC236}">
-                <a16:creationId xmlns:a16="http://schemas.microsoft.com/office/drawing/2014/main" id="{38EF0468-B675-8A9A-8623-51C31DF9535A}"/>
+                <a16:creationId xmlns:a16="http://schemas.microsoft.com/office/drawing/2014/main" id="{ED7B4486-44D4-FA40-4FD2-01BF72530547}"/>
               </a:ext>
             </a:extLst>
           </p:cNvPr>
@@ -2715,7 +2715,7 @@
           <a:bodyPr/>
           <a:lstStyle/>
           <a:p>
-            <a:fld id="{798124BE-FF06-4442-A2A2-67F468693126}" type="slidenum">
+            <a:fld id="{A34AF1C8-92F6-4A86-B960-5CDF57C17718}" type="slidenum">
               <a:rPr lang="zh-CN" altLang="en-US" smtClean="0"/>
               <a:t>‹#›</a:t>
             </a:fld>
@@ -2726,7 +2726,7 @@
     </p:spTree>
     <p:extLst>
       <p:ext uri="{BB962C8B-B14F-4D97-AF65-F5344CB8AC3E}">
-        <p14:creationId xmlns:p14="http://schemas.microsoft.com/office/powerpoint/2010/main" val="2334109333"/>
+        <p14:creationId xmlns:p14="http://schemas.microsoft.com/office/powerpoint/2010/main" val="2029489765"/>
       </p:ext>
     </p:extLst>
   </p:cSld>
@@ -2763,7 +2763,7 @@
           <p:cNvPr id="2" name="标题占位符 1">
             <a:extLst>
               <a:ext uri="{FF2B5EF4-FFF2-40B4-BE49-F238E27FC236}">
-                <a16:creationId xmlns:a16="http://schemas.microsoft.com/office/drawing/2014/main" id="{2171CB4F-7289-955C-7D19-1F2EFFABE09A}"/>
+                <a16:creationId xmlns:a16="http://schemas.microsoft.com/office/drawing/2014/main" id="{B9E4161C-B33A-45EE-23A3-50420E76A6FC}"/>
               </a:ext>
             </a:extLst>
           </p:cNvPr>
@@ -2801,7 +2801,7 @@
           <p:cNvPr id="3" name="文本占位符 2">
             <a:extLst>
               <a:ext uri="{FF2B5EF4-FFF2-40B4-BE49-F238E27FC236}">
-                <a16:creationId xmlns:a16="http://schemas.microsoft.com/office/drawing/2014/main" id="{6F23D091-5753-7590-F266-607B724E573A}"/>
+                <a16:creationId xmlns:a16="http://schemas.microsoft.com/office/drawing/2014/main" id="{F9AA7B21-FC2D-DFA5-1725-1F57C05EA691}"/>
               </a:ext>
             </a:extLst>
           </p:cNvPr>
@@ -2868,7 +2868,7 @@
           <p:cNvPr id="4" name="日期占位符 3">
             <a:extLst>
               <a:ext uri="{FF2B5EF4-FFF2-40B4-BE49-F238E27FC236}">
-                <a16:creationId xmlns:a16="http://schemas.microsoft.com/office/drawing/2014/main" id="{900E3DEC-F3A5-C042-467B-DAB5FDCBBE42}"/>
+                <a16:creationId xmlns:a16="http://schemas.microsoft.com/office/drawing/2014/main" id="{249D2902-9F01-CA1E-8702-2B2E256727E7}"/>
               </a:ext>
             </a:extLst>
           </p:cNvPr>
@@ -2902,7 +2902,7 @@
             </a:lvl1pPr>
           </a:lstStyle>
           <a:p>
-            <a:fld id="{744D214E-3B31-4B9D-AC8E-8D4BAA451EA9}" type="datetimeFigureOut">
+            <a:fld id="{DCEA7527-BE48-456F-9093-21BB45225FF0}" type="datetimeFigureOut">
               <a:rPr lang="zh-CN" altLang="en-US" smtClean="0"/>
               <a:t>2024/3/10</a:t>
             </a:fld>
@@ -2915,7 +2915,7 @@
           <p:cNvPr id="5" name="页脚占位符 4">
             <a:extLst>
               <a:ext uri="{FF2B5EF4-FFF2-40B4-BE49-F238E27FC236}">
-                <a16:creationId xmlns:a16="http://schemas.microsoft.com/office/drawing/2014/main" id="{785CE746-228F-9F7E-92C8-5F8689504D86}"/>
+                <a16:creationId xmlns:a16="http://schemas.microsoft.com/office/drawing/2014/main" id="{1EA56065-41B5-F0DA-3706-679E8C4F983C}"/>
               </a:ext>
             </a:extLst>
           </p:cNvPr>
@@ -2958,7 +2958,7 @@
           <p:cNvPr id="6" name="灯片编号占位符 5">
             <a:extLst>
               <a:ext uri="{FF2B5EF4-FFF2-40B4-BE49-F238E27FC236}">
-                <a16:creationId xmlns:a16="http://schemas.microsoft.com/office/drawing/2014/main" id="{62A0092F-5505-EDDE-50BA-26249C4106C0}"/>
+                <a16:creationId xmlns:a16="http://schemas.microsoft.com/office/drawing/2014/main" id="{A3AB4D88-5427-51D4-3615-D32A07871389}"/>
               </a:ext>
             </a:extLst>
           </p:cNvPr>
@@ -2992,7 +2992,7 @@
             </a:lvl1pPr>
           </a:lstStyle>
           <a:p>
-            <a:fld id="{798124BE-FF06-4442-A2A2-67F468693126}" type="slidenum">
+            <a:fld id="{A34AF1C8-92F6-4A86-B960-5CDF57C17718}" type="slidenum">
               <a:rPr lang="zh-CN" altLang="en-US" smtClean="0"/>
               <a:t>‹#›</a:t>
             </a:fld>
@@ -3003,7 +3003,7 @@
     </p:spTree>
     <p:extLst>
       <p:ext uri="{BB962C8B-B14F-4D97-AF65-F5344CB8AC3E}">
-        <p14:creationId xmlns:p14="http://schemas.microsoft.com/office/powerpoint/2010/main" val="4008074038"/>
+        <p14:creationId xmlns:p14="http://schemas.microsoft.com/office/powerpoint/2010/main" val="1166369901"/>
       </p:ext>
     </p:extLst>
   </p:cSld>
@@ -3323,7 +3323,7 @@
       </p:grpSpPr>
       <p:pic>
         <p:nvPicPr>
-          <p:cNvPr id="501762" name="Picture 2" descr="489"/>
+          <p:cNvPr id="502786" name="Picture 2" descr="490"/>
           <p:cNvPicPr>
             <a:picLocks noChangeAspect="1" noChangeArrowheads="1"/>
           </p:cNvPicPr>
